--- a/notes/adjoint/adjoint-intro.pptx
+++ b/notes/adjoint/adjoint-intro.pptx
@@ -223,7 +223,7 @@
           <a:p>
             <a:fld id="{CFC7D1E2-A475-4EE0-B6F5-638B046B96D7}" type="datetimeFigureOut">
               <a:rPr lang="en-US" smtClean="0"/>
-              <a:t>4/26/21</a:t>
+              <a:t>4/30/21</a:t>
             </a:fld>
             <a:endParaRPr lang="en-US"/>
           </a:p>
@@ -2945,7 +2945,7 @@
           <a:p>
             <a:fld id="{634B7A9A-99C1-43C6-9816-395340B3CB1E}" type="datetimeFigureOut">
               <a:rPr lang="en-US" smtClean="0"/>
-              <a:t>4/26/21</a:t>
+              <a:t>4/30/21</a:t>
             </a:fld>
             <a:endParaRPr lang="en-US"/>
           </a:p>
@@ -3143,7 +3143,7 @@
           <a:p>
             <a:fld id="{634B7A9A-99C1-43C6-9816-395340B3CB1E}" type="datetimeFigureOut">
               <a:rPr lang="en-US" smtClean="0"/>
-              <a:t>4/26/21</a:t>
+              <a:t>4/30/21</a:t>
             </a:fld>
             <a:endParaRPr lang="en-US"/>
           </a:p>
@@ -3351,7 +3351,7 @@
           <a:p>
             <a:fld id="{634B7A9A-99C1-43C6-9816-395340B3CB1E}" type="datetimeFigureOut">
               <a:rPr lang="en-US" smtClean="0"/>
-              <a:t>4/26/21</a:t>
+              <a:t>4/30/21</a:t>
             </a:fld>
             <a:endParaRPr lang="en-US"/>
           </a:p>
@@ -3549,7 +3549,7 @@
           <a:p>
             <a:fld id="{634B7A9A-99C1-43C6-9816-395340B3CB1E}" type="datetimeFigureOut">
               <a:rPr lang="en-US" smtClean="0"/>
-              <a:t>4/26/21</a:t>
+              <a:t>4/30/21</a:t>
             </a:fld>
             <a:endParaRPr lang="en-US"/>
           </a:p>
@@ -3824,7 +3824,7 @@
           <a:p>
             <a:fld id="{634B7A9A-99C1-43C6-9816-395340B3CB1E}" type="datetimeFigureOut">
               <a:rPr lang="en-US" smtClean="0"/>
-              <a:t>4/26/21</a:t>
+              <a:t>4/30/21</a:t>
             </a:fld>
             <a:endParaRPr lang="en-US"/>
           </a:p>
@@ -4089,7 +4089,7 @@
           <a:p>
             <a:fld id="{634B7A9A-99C1-43C6-9816-395340B3CB1E}" type="datetimeFigureOut">
               <a:rPr lang="en-US" smtClean="0"/>
-              <a:t>4/26/21</a:t>
+              <a:t>4/30/21</a:t>
             </a:fld>
             <a:endParaRPr lang="en-US"/>
           </a:p>
@@ -4501,7 +4501,7 @@
           <a:p>
             <a:fld id="{634B7A9A-99C1-43C6-9816-395340B3CB1E}" type="datetimeFigureOut">
               <a:rPr lang="en-US" smtClean="0"/>
-              <a:t>4/26/21</a:t>
+              <a:t>4/30/21</a:t>
             </a:fld>
             <a:endParaRPr lang="en-US"/>
           </a:p>
@@ -4642,7 +4642,7 @@
           <a:p>
             <a:fld id="{634B7A9A-99C1-43C6-9816-395340B3CB1E}" type="datetimeFigureOut">
               <a:rPr lang="en-US" smtClean="0"/>
-              <a:t>4/26/21</a:t>
+              <a:t>4/30/21</a:t>
             </a:fld>
             <a:endParaRPr lang="en-US"/>
           </a:p>
@@ -4755,7 +4755,7 @@
           <a:p>
             <a:fld id="{634B7A9A-99C1-43C6-9816-395340B3CB1E}" type="datetimeFigureOut">
               <a:rPr lang="en-US" smtClean="0"/>
-              <a:t>4/26/21</a:t>
+              <a:t>4/30/21</a:t>
             </a:fld>
             <a:endParaRPr lang="en-US"/>
           </a:p>
@@ -5066,7 +5066,7 @@
           <a:p>
             <a:fld id="{634B7A9A-99C1-43C6-9816-395340B3CB1E}" type="datetimeFigureOut">
               <a:rPr lang="en-US" smtClean="0"/>
-              <a:t>4/26/21</a:t>
+              <a:t>4/30/21</a:t>
             </a:fld>
             <a:endParaRPr lang="en-US"/>
           </a:p>
@@ -5354,7 +5354,7 @@
           <a:p>
             <a:fld id="{634B7A9A-99C1-43C6-9816-395340B3CB1E}" type="datetimeFigureOut">
               <a:rPr lang="en-US" smtClean="0"/>
-              <a:t>4/26/21</a:t>
+              <a:t>4/30/21</a:t>
             </a:fld>
             <a:endParaRPr lang="en-US"/>
           </a:p>
@@ -5595,7 +5595,7 @@
           <a:p>
             <a:fld id="{634B7A9A-99C1-43C6-9816-395340B3CB1E}" type="datetimeFigureOut">
               <a:rPr lang="en-US" smtClean="0"/>
-              <a:t>4/26/21</a:t>
+              <a:t>4/30/21</a:t>
             </a:fld>
             <a:endParaRPr lang="en-US"/>
           </a:p>
@@ -28048,8 +28048,8 @@
           </p:sp>
         </mc:Fallback>
       </mc:AlternateContent>
-      <mc:AlternateContent xmlns:mc="http://schemas.openxmlformats.org/markup-compatibility/2006" xmlns:a14="http://schemas.microsoft.com/office/drawing/2010/main">
-        <mc:Choice Requires="a14">
+      <mc:AlternateContent xmlns:mc="http://schemas.openxmlformats.org/markup-compatibility/2006">
+        <mc:Choice xmlns:a14="http://schemas.microsoft.com/office/drawing/2010/main" Requires="a14">
           <p:sp>
             <p:nvSpPr>
               <p:cNvPr id="7" name="TextBox 6">
@@ -28064,8 +28064,8 @@
             </p:nvSpPr>
             <p:spPr>
               <a:xfrm>
-                <a:off x="1713484" y="3238913"/>
-                <a:ext cx="1381853" cy="615553"/>
+                <a:off x="1874125" y="3238913"/>
+                <a:ext cx="1096133" cy="615553"/>
               </a:xfrm>
               <a:prstGeom prst="rect">
                 <a:avLst/>
@@ -28095,7 +28095,7 @@
                         <a:rPr lang="en-US" sz="4000" b="0" i="1" smtClean="0">
                           <a:latin typeface="Cambria Math" panose="02040503050406030204" pitchFamily="18" charset="0"/>
                         </a:rPr>
-                        <m:t>𝑁</m:t>
+                        <m:t>𝑃</m:t>
                       </m:r>
                     </m:oMath>
                   </m:oMathPara>
@@ -28105,7 +28105,7 @@
             </p:txBody>
           </p:sp>
         </mc:Choice>
-        <mc:Fallback xmlns="">
+        <mc:Fallback>
           <p:sp>
             <p:nvSpPr>
               <p:cNvPr id="7" name="TextBox 6">
@@ -28122,8 +28122,8 @@
             </p:nvSpPr>
             <p:spPr>
               <a:xfrm>
-                <a:off x="1713484" y="3238913"/>
-                <a:ext cx="1381853" cy="615553"/>
+                <a:off x="1874125" y="3238913"/>
+                <a:ext cx="1096133" cy="615553"/>
               </a:xfrm>
               <a:prstGeom prst="rect">
                 <a:avLst/>
@@ -28131,7 +28131,7 @@
               <a:blipFill>
                 <a:blip r:embed="rId4"/>
                 <a:stretch>
-                  <a:fillRect b="-4000"/>
+                  <a:fillRect l="-10345" r="-8046" b="-4000"/>
                 </a:stretch>
               </a:blipFill>
             </p:spPr>
@@ -28419,8 +28419,8 @@
           </a:p>
         </p:txBody>
       </p:sp>
-      <mc:AlternateContent xmlns:mc="http://schemas.openxmlformats.org/markup-compatibility/2006" xmlns:a14="http://schemas.microsoft.com/office/drawing/2010/main">
-        <mc:Choice Requires="a14">
+      <mc:AlternateContent xmlns:mc="http://schemas.openxmlformats.org/markup-compatibility/2006">
+        <mc:Choice xmlns:a14="http://schemas.microsoft.com/office/drawing/2010/main" Requires="a14">
           <p:sp>
             <p:nvSpPr>
               <p:cNvPr id="13" name="TextBox 12">
@@ -28436,7 +28436,7 @@
             <p:spPr>
               <a:xfrm>
                 <a:off x="3330059" y="3238911"/>
-                <a:ext cx="1096134" cy="615553"/>
+                <a:ext cx="1153841" cy="615553"/>
               </a:xfrm>
               <a:prstGeom prst="rect">
                 <a:avLst/>
@@ -28466,7 +28466,7 @@
                         <a:rPr lang="en-US" sz="4000" b="0" i="1" smtClean="0">
                           <a:latin typeface="Cambria Math" panose="02040503050406030204" pitchFamily="18" charset="0"/>
                         </a:rPr>
-                        <m:t>𝑃</m:t>
+                        <m:t>𝑁</m:t>
                       </m:r>
                     </m:oMath>
                   </m:oMathPara>
@@ -28476,7 +28476,7 @@
             </p:txBody>
           </p:sp>
         </mc:Choice>
-        <mc:Fallback xmlns="">
+        <mc:Fallback>
           <p:sp>
             <p:nvSpPr>
               <p:cNvPr id="13" name="TextBox 12">
@@ -28494,7 +28494,7 @@
             <p:spPr>
               <a:xfrm>
                 <a:off x="3330059" y="3238911"/>
-                <a:ext cx="1096134" cy="615553"/>
+                <a:ext cx="1153841" cy="615553"/>
               </a:xfrm>
               <a:prstGeom prst="rect">
                 <a:avLst/>
@@ -28502,7 +28502,7 @@
               <a:blipFill>
                 <a:blip r:embed="rId6"/>
                 <a:stretch>
-                  <a:fillRect l="-9091" r="-7955" b="-4000"/>
+                  <a:fillRect l="-8696" r="-7609" b="-4000"/>
                 </a:stretch>
               </a:blipFill>
             </p:spPr>
